--- a/Presentation/MakerSpace.pptx
+++ b/Presentation/MakerSpace.pptx
@@ -16,6 +16,7 @@
     <p:sldId id="268" r:id="rId10"/>
     <p:sldId id="269" r:id="rId11"/>
     <p:sldId id="270" r:id="rId12"/>
+    <p:sldId id="276" r:id="rId13"/>
   </p:sldIdLst>
   <p:sldSz cx="12192000" cy="6858000"/>
   <p:notesSz cx="6858000" cy="9144000"/>
@@ -4815,6 +4816,119 @@
 </p:sld>
 </file>
 
+<file path=ppt/slides/slide12.xml><?xml version="1.0" encoding="utf-8"?>
+<p:sld xmlns:a="http://schemas.openxmlformats.org/drawingml/2006/main" xmlns:r="http://schemas.openxmlformats.org/officeDocument/2006/relationships" xmlns:p="http://schemas.openxmlformats.org/presentationml/2006/main">
+  <p:cSld>
+    <p:spTree>
+      <p:nvGrpSpPr>
+        <p:cNvPr id="1" name=""/>
+        <p:cNvGrpSpPr/>
+        <p:nvPr/>
+      </p:nvGrpSpPr>
+      <p:grpSpPr>
+        <a:xfrm>
+          <a:off x="0" y="0"/>
+          <a:ext cx="0" cy="0"/>
+          <a:chOff x="0" y="0"/>
+          <a:chExt cx="0" cy="0"/>
+        </a:xfrm>
+      </p:grpSpPr>
+      <p:sp>
+        <p:nvSpPr>
+          <p:cNvPr id="2" name="Title 1">
+            <a:extLst>
+              <a:ext uri="{FF2B5EF4-FFF2-40B4-BE49-F238E27FC236}">
+                <a16:creationId xmlns:a16="http://schemas.microsoft.com/office/drawing/2014/main" id="{961F5586-A386-49A8-9210-AD34C5A71D43}"/>
+              </a:ext>
+            </a:extLst>
+          </p:cNvPr>
+          <p:cNvSpPr>
+            <a:spLocks noGrp="1"/>
+          </p:cNvSpPr>
+          <p:nvPr>
+            <p:ph type="title"/>
+          </p:nvPr>
+        </p:nvSpPr>
+        <p:spPr/>
+        <p:txBody>
+          <a:bodyPr/>
+          <a:lstStyle/>
+          <a:p>
+            <a:r>
+              <a:rPr lang="en-US" dirty="0"/>
+              <a:t>Q&amp;A</a:t>
+            </a:r>
+          </a:p>
+        </p:txBody>
+      </p:sp>
+      <p:sp>
+        <p:nvSpPr>
+          <p:cNvPr id="3" name="Content Placeholder 2">
+            <a:extLst>
+              <a:ext uri="{FF2B5EF4-FFF2-40B4-BE49-F238E27FC236}">
+                <a16:creationId xmlns:a16="http://schemas.microsoft.com/office/drawing/2014/main" id="{93CD30CA-8875-4848-977D-F95120FBB73A}"/>
+              </a:ext>
+            </a:extLst>
+          </p:cNvPr>
+          <p:cNvSpPr>
+            <a:spLocks noGrp="1"/>
+          </p:cNvSpPr>
+          <p:nvPr>
+            <p:ph idx="1"/>
+          </p:nvPr>
+        </p:nvSpPr>
+        <p:spPr/>
+        <p:txBody>
+          <a:bodyPr/>
+          <a:lstStyle/>
+          <a:p>
+            <a:pPr marL="0" indent="0">
+              <a:buNone/>
+            </a:pPr>
+            <a:endParaRPr lang="en-US" dirty="0"/>
+          </a:p>
+          <a:p>
+            <a:pPr marL="0" indent="0">
+              <a:buNone/>
+            </a:pPr>
+            <a:endParaRPr lang="en-US" dirty="0"/>
+          </a:p>
+          <a:p>
+            <a:pPr marL="0" indent="0">
+              <a:buNone/>
+            </a:pPr>
+            <a:endParaRPr lang="en-US" dirty="0"/>
+          </a:p>
+          <a:p>
+            <a:pPr marL="0" indent="0">
+              <a:buNone/>
+            </a:pPr>
+            <a:endParaRPr lang="en-US" dirty="0"/>
+          </a:p>
+          <a:p>
+            <a:pPr marL="0" indent="0" algn="ctr">
+              <a:buNone/>
+            </a:pPr>
+            <a:r>
+              <a:rPr lang="en-US" sz="2800" dirty="0"/>
+              <a:t>Questions?</a:t>
+            </a:r>
+          </a:p>
+        </p:txBody>
+      </p:sp>
+    </p:spTree>
+    <p:extLst>
+      <p:ext uri="{BB962C8B-B14F-4D97-AF65-F5344CB8AC3E}">
+        <p14:creationId xmlns:p14="http://schemas.microsoft.com/office/powerpoint/2010/main" val="4048768643"/>
+      </p:ext>
+    </p:extLst>
+  </p:cSld>
+  <p:clrMapOvr>
+    <a:masterClrMapping/>
+  </p:clrMapOvr>
+</p:sld>
+</file>
+
 <file path=ppt/slides/slide2.xml><?xml version="1.0" encoding="utf-8"?>
 <p:sld xmlns:a="http://schemas.openxmlformats.org/drawingml/2006/main" xmlns:r="http://schemas.openxmlformats.org/officeDocument/2006/relationships" xmlns:p="http://schemas.openxmlformats.org/presentationml/2006/main">
   <p:cSld>

--- a/Presentation/MakerSpace.pptx
+++ b/Presentation/MakerSpace.pptx
@@ -4773,7 +4773,7 @@
           <a:p>
             <a:r>
               <a:rPr lang="en-US" dirty="0"/>
-              <a:t>Additional Code</a:t>
+              <a:t>Additional Notes</a:t>
             </a:r>
           </a:p>
         </p:txBody>
@@ -4992,10 +4992,15 @@
         </p:nvSpPr>
         <p:spPr/>
         <p:txBody>
-          <a:bodyPr/>
+          <a:bodyPr>
+            <a:normAutofit/>
+          </a:bodyPr>
           <a:lstStyle/>
           <a:p>
-            <a:endParaRPr lang="en-US"/>
+            <a:r>
+              <a:rPr lang="en-US" sz="1800" dirty="0"/>
+              <a:t>The program will be a working login page.</a:t>
+            </a:r>
           </a:p>
         </p:txBody>
       </p:sp>
@@ -5075,10 +5080,21 @@
         </p:nvSpPr>
         <p:spPr/>
         <p:txBody>
-          <a:bodyPr/>
+          <a:bodyPr>
+            <a:normAutofit/>
+          </a:bodyPr>
           <a:lstStyle/>
           <a:p>
-            <a:endParaRPr lang="en-US"/>
+            <a:r>
+              <a:rPr lang="en-US" sz="1800" dirty="0"/>
+              <a:t>The overall program at the end will be the full working systems needed for a maker space to function.</a:t>
+            </a:r>
+          </a:p>
+          <a:p>
+            <a:r>
+              <a:rPr lang="en-US" sz="1800" dirty="0"/>
+              <a:t>Inventory management, scheduling and booking, logins, newsletters, admin access.</a:t>
+            </a:r>
           </a:p>
         </p:txBody>
       </p:sp>
@@ -5158,10 +5174,15 @@
         </p:nvSpPr>
         <p:spPr/>
         <p:txBody>
-          <a:bodyPr/>
+          <a:bodyPr>
+            <a:normAutofit/>
+          </a:bodyPr>
           <a:lstStyle/>
           <a:p>
-            <a:endParaRPr lang="en-US"/>
+            <a:r>
+              <a:rPr lang="en-US" sz="1800" dirty="0"/>
+              <a:t>It will be aimed towards creatives in the STEM fields looking to further their projects who may not be able to afford the things needed to continue working on their own.</a:t>
+            </a:r>
           </a:p>
         </p:txBody>
       </p:sp>
@@ -5223,31 +5244,38 @@
           </a:p>
         </p:txBody>
       </p:sp>
-      <p:sp>
-        <p:nvSpPr>
-          <p:cNvPr id="3" name="Content Placeholder 2">
+      <p:pic>
+        <p:nvPicPr>
+          <p:cNvPr id="4" name="Content Placeholder 3">
             <a:extLst>
               <a:ext uri="{FF2B5EF4-FFF2-40B4-BE49-F238E27FC236}">
-                <a16:creationId xmlns:a16="http://schemas.microsoft.com/office/drawing/2014/main" id="{80D449E6-A780-40F5-84C7-95D45DA5A0D5}"/>
+                <a16:creationId xmlns:a16="http://schemas.microsoft.com/office/drawing/2014/main" id="{C99B54CA-1C49-4B97-A023-F38E98D0BC5B}"/>
               </a:ext>
             </a:extLst>
           </p:cNvPr>
-          <p:cNvSpPr>
-            <a:spLocks noGrp="1"/>
-          </p:cNvSpPr>
+          <p:cNvPicPr>
+            <a:picLocks noGrp="1" noChangeAspect="1"/>
+          </p:cNvPicPr>
           <p:nvPr>
             <p:ph idx="1"/>
           </p:nvPr>
-        </p:nvSpPr>
-        <p:spPr/>
-        <p:txBody>
-          <a:bodyPr/>
-          <a:lstStyle/>
-          <a:p>
-            <a:endParaRPr lang="en-US"/>
-          </a:p>
-        </p:txBody>
-      </p:sp>
+        </p:nvPicPr>
+        <p:blipFill>
+          <a:blip r:embed="rId2"/>
+          <a:stretch>
+            <a:fillRect/>
+          </a:stretch>
+        </p:blipFill>
+        <p:spPr>
+          <a:xfrm>
+            <a:off x="1166816" y="1614488"/>
+            <a:ext cx="9834563" cy="4721157"/>
+          </a:xfrm>
+          <a:prstGeom prst="rect">
+            <a:avLst/>
+          </a:prstGeom>
+        </p:spPr>
+      </p:pic>
     </p:spTree>
     <p:extLst>
       <p:ext uri="{BB962C8B-B14F-4D97-AF65-F5344CB8AC3E}">
@@ -5467,13 +5495,8 @@
           <a:p>
             <a:r>
               <a:rPr lang="en-US" dirty="0"/>
-              <a:t>User </a:t>
-            </a:r>
-            <a:r>
-              <a:rPr lang="en-US" dirty="0" err="1"/>
-              <a:t>manuel</a:t>
-            </a:r>
-            <a:endParaRPr lang="en-US" dirty="0"/>
+              <a:t>User Manuel</a:t>
+            </a:r>
           </a:p>
         </p:txBody>
       </p:sp>

--- a/Presentation/MakerSpace.pptx
+++ b/Presentation/MakerSpace.pptx
@@ -12,11 +12,14 @@
     <p:sldId id="265" r:id="rId6"/>
     <p:sldId id="266" r:id="rId7"/>
     <p:sldId id="275" r:id="rId8"/>
-    <p:sldId id="267" r:id="rId9"/>
-    <p:sldId id="268" r:id="rId10"/>
-    <p:sldId id="269" r:id="rId11"/>
-    <p:sldId id="270" r:id="rId12"/>
-    <p:sldId id="276" r:id="rId13"/>
+    <p:sldId id="277" r:id="rId9"/>
+    <p:sldId id="278" r:id="rId10"/>
+    <p:sldId id="279" r:id="rId11"/>
+    <p:sldId id="280" r:id="rId12"/>
+    <p:sldId id="281" r:id="rId13"/>
+    <p:sldId id="282" r:id="rId14"/>
+    <p:sldId id="270" r:id="rId15"/>
+    <p:sldId id="276" r:id="rId16"/>
   </p:sldIdLst>
   <p:sldSz cx="12192000" cy="6858000"/>
   <p:notesSz cx="6858000" cy="9144000"/>
@@ -592,7 +595,7 @@
           <a:p>
             <a:fld id="{EA0C0817-A112-4847-8014-A94B7D2A4EA3}" type="datetime1">
               <a:rPr lang="en-US" smtClean="0"/>
-              <a:t>2/24/2020</a:t>
+              <a:t>2/26/2020</a:t>
             </a:fld>
             <a:endParaRPr lang="en-US" dirty="0"/>
           </a:p>
@@ -794,7 +797,7 @@
           <a:p>
             <a:fld id="{134F40B7-36AB-4376-BE14-EF7004D79BB9}" type="datetime1">
               <a:rPr lang="en-US" smtClean="0"/>
-              <a:t>2/24/2020</a:t>
+              <a:t>2/26/2020</a:t>
             </a:fld>
             <a:endParaRPr lang="en-US"/>
           </a:p>
@@ -974,7 +977,7 @@
           <a:p>
             <a:fld id="{FF87CAB8-DCAE-46A5-AADA-B3FAD11A54E0}" type="datetime1">
               <a:rPr lang="en-US" smtClean="0"/>
-              <a:t>2/24/2020</a:t>
+              <a:t>2/26/2020</a:t>
             </a:fld>
             <a:endParaRPr lang="en-US"/>
           </a:p>
@@ -1144,7 +1147,7 @@
           <a:p>
             <a:fld id="{7332B432-ACDA-4023-A761-2BAB76577B62}" type="datetime1">
               <a:rPr lang="en-US" smtClean="0"/>
-              <a:t>2/24/2020</a:t>
+              <a:t>2/26/2020</a:t>
             </a:fld>
             <a:endParaRPr lang="en-US"/>
           </a:p>
@@ -1743,7 +1746,7 @@
           <a:p>
             <a:fld id="{D9C646AA-F36E-4540-911D-FFFC0A0EF24A}" type="datetime1">
               <a:rPr lang="en-US" smtClean="0"/>
-              <a:t>2/24/2020</a:t>
+              <a:t>2/26/2020</a:t>
             </a:fld>
             <a:endParaRPr lang="en-US" dirty="0"/>
           </a:p>
@@ -2063,7 +2066,7 @@
           <a:p>
             <a:fld id="{69186D26-FA5F-4637-B602-B7C2DC34CFD4}" type="datetime1">
               <a:rPr lang="en-US" smtClean="0"/>
-              <a:t>2/24/2020</a:t>
+              <a:t>2/26/2020</a:t>
             </a:fld>
             <a:endParaRPr lang="en-US"/>
           </a:p>
@@ -2500,7 +2503,7 @@
           <a:p>
             <a:fld id="{8A7F15D8-96D1-4781-BC50-CA8A088B2FE4}" type="datetime1">
               <a:rPr lang="en-US" smtClean="0"/>
-              <a:t>2/24/2020</a:t>
+              <a:t>2/26/2020</a:t>
             </a:fld>
             <a:endParaRPr lang="en-US"/>
           </a:p>
@@ -2618,7 +2621,7 @@
           <a:p>
             <a:fld id="{F9A96C99-B8F8-4528-BD05-0E16E943DC09}" type="datetime1">
               <a:rPr lang="en-US" smtClean="0"/>
-              <a:t>2/24/2020</a:t>
+              <a:t>2/26/2020</a:t>
             </a:fld>
             <a:endParaRPr lang="en-US"/>
           </a:p>
@@ -2713,7 +2716,7 @@
           <a:p>
             <a:fld id="{03636942-C211-4B28-8DBD-C953E00AF71B}" type="datetime1">
               <a:rPr lang="en-US" smtClean="0"/>
-              <a:t>2/24/2020</a:t>
+              <a:t>2/26/2020</a:t>
             </a:fld>
             <a:endParaRPr lang="en-US"/>
           </a:p>
@@ -3130,7 +3133,7 @@
           <a:p>
             <a:fld id="{7E8D12A6-918A-48BD-8CB9-CA713993B0EA}" type="datetime1">
               <a:rPr lang="en-US" smtClean="0"/>
-              <a:t>2/24/2020</a:t>
+              <a:t>2/26/2020</a:t>
             </a:fld>
             <a:endParaRPr lang="en-US"/>
           </a:p>
@@ -3392,7 +3395,7 @@
             <a:fld id="{E778CE86-875F-4587-BCF6-FA054AFC0D53}" type="datetime1">
               <a:rPr lang="en-US" smtClean="0"/>
               <a:pPr/>
-              <a:t>2/24/2020</a:t>
+              <a:t>2/26/2020</a:t>
             </a:fld>
             <a:endParaRPr lang="en-US" dirty="0"/>
           </a:p>
@@ -3908,7 +3911,7 @@
           <a:p>
             <a:fld id="{F6FA2B21-3FCD-4721-B95C-427943F61125}" type="datetime1">
               <a:rPr lang="en-US" smtClean="0"/>
-              <a:t>2/24/2020</a:t>
+              <a:t>2/26/2020</a:t>
             </a:fld>
             <a:endParaRPr lang="en-US"/>
           </a:p>
@@ -4672,7 +4675,7 @@
           <p:cNvPr id="2" name="Title 1">
             <a:extLst>
               <a:ext uri="{FF2B5EF4-FFF2-40B4-BE49-F238E27FC236}">
-                <a16:creationId xmlns:a16="http://schemas.microsoft.com/office/drawing/2014/main" id="{98E2B67F-03FB-45AA-80A0-30063B6627BA}"/>
+                <a16:creationId xmlns:a16="http://schemas.microsoft.com/office/drawing/2014/main" id="{20E23148-A7B6-4387-AEA3-A3132DFA7B2F}"/>
               </a:ext>
             </a:extLst>
           </p:cNvPr>
@@ -4688,10 +4691,7 @@
           <a:bodyPr/>
           <a:lstStyle/>
           <a:p>
-            <a:r>
-              <a:rPr lang="en-US" dirty="0"/>
-              <a:t>Source code</a:t>
-            </a:r>
+            <a:endParaRPr lang="en-US"/>
           </a:p>
         </p:txBody>
       </p:sp>
@@ -4700,7 +4700,7 @@
           <p:cNvPr id="3" name="Content Placeholder 2">
             <a:extLst>
               <a:ext uri="{FF2B5EF4-FFF2-40B4-BE49-F238E27FC236}">
-                <a16:creationId xmlns:a16="http://schemas.microsoft.com/office/drawing/2014/main" id="{A82A418E-DA32-4004-B345-FFE589AC0EA1}"/>
+                <a16:creationId xmlns:a16="http://schemas.microsoft.com/office/drawing/2014/main" id="{0D3E3197-7659-4E9F-817C-445E80F5A6B8}"/>
               </a:ext>
             </a:extLst>
           </p:cNvPr>
@@ -4723,7 +4723,7 @@
     </p:spTree>
     <p:extLst>
       <p:ext uri="{BB962C8B-B14F-4D97-AF65-F5344CB8AC3E}">
-        <p14:creationId xmlns:p14="http://schemas.microsoft.com/office/powerpoint/2010/main" val="4187262358"/>
+        <p14:creationId xmlns:p14="http://schemas.microsoft.com/office/powerpoint/2010/main" val="3709535167"/>
       </p:ext>
     </p:extLst>
   </p:cSld>
@@ -4755,6 +4755,246 @@
           <p:cNvPr id="2" name="Title 1">
             <a:extLst>
               <a:ext uri="{FF2B5EF4-FFF2-40B4-BE49-F238E27FC236}">
+                <a16:creationId xmlns:a16="http://schemas.microsoft.com/office/drawing/2014/main" id="{AF9FC940-2B6C-478A-83DA-889454B308F6}"/>
+              </a:ext>
+            </a:extLst>
+          </p:cNvPr>
+          <p:cNvSpPr>
+            <a:spLocks noGrp="1"/>
+          </p:cNvSpPr>
+          <p:nvPr>
+            <p:ph type="title"/>
+          </p:nvPr>
+        </p:nvSpPr>
+        <p:spPr/>
+        <p:txBody>
+          <a:bodyPr/>
+          <a:lstStyle/>
+          <a:p>
+            <a:endParaRPr lang="en-US"/>
+          </a:p>
+        </p:txBody>
+      </p:sp>
+      <p:sp>
+        <p:nvSpPr>
+          <p:cNvPr id="3" name="Content Placeholder 2">
+            <a:extLst>
+              <a:ext uri="{FF2B5EF4-FFF2-40B4-BE49-F238E27FC236}">
+                <a16:creationId xmlns:a16="http://schemas.microsoft.com/office/drawing/2014/main" id="{650D1BD7-911E-4377-B9E8-DD7DF0683C57}"/>
+              </a:ext>
+            </a:extLst>
+          </p:cNvPr>
+          <p:cNvSpPr>
+            <a:spLocks noGrp="1"/>
+          </p:cNvSpPr>
+          <p:nvPr>
+            <p:ph idx="1"/>
+          </p:nvPr>
+        </p:nvSpPr>
+        <p:spPr/>
+        <p:txBody>
+          <a:bodyPr/>
+          <a:lstStyle/>
+          <a:p>
+            <a:endParaRPr lang="en-US"/>
+          </a:p>
+        </p:txBody>
+      </p:sp>
+    </p:spTree>
+    <p:extLst>
+      <p:ext uri="{BB962C8B-B14F-4D97-AF65-F5344CB8AC3E}">
+        <p14:creationId xmlns:p14="http://schemas.microsoft.com/office/powerpoint/2010/main" val="3711216605"/>
+      </p:ext>
+    </p:extLst>
+  </p:cSld>
+  <p:clrMapOvr>
+    <a:masterClrMapping/>
+  </p:clrMapOvr>
+</p:sld>
+</file>
+
+<file path=ppt/slides/slide12.xml><?xml version="1.0" encoding="utf-8"?>
+<p:sld xmlns:a="http://schemas.openxmlformats.org/drawingml/2006/main" xmlns:r="http://schemas.openxmlformats.org/officeDocument/2006/relationships" xmlns:p="http://schemas.openxmlformats.org/presentationml/2006/main">
+  <p:cSld>
+    <p:spTree>
+      <p:nvGrpSpPr>
+        <p:cNvPr id="1" name=""/>
+        <p:cNvGrpSpPr/>
+        <p:nvPr/>
+      </p:nvGrpSpPr>
+      <p:grpSpPr>
+        <a:xfrm>
+          <a:off x="0" y="0"/>
+          <a:ext cx="0" cy="0"/>
+          <a:chOff x="0" y="0"/>
+          <a:chExt cx="0" cy="0"/>
+        </a:xfrm>
+      </p:grpSpPr>
+      <p:sp>
+        <p:nvSpPr>
+          <p:cNvPr id="2" name="Title 1">
+            <a:extLst>
+              <a:ext uri="{FF2B5EF4-FFF2-40B4-BE49-F238E27FC236}">
+                <a16:creationId xmlns:a16="http://schemas.microsoft.com/office/drawing/2014/main" id="{90FA419D-FE24-4522-A61E-44C22EA94918}"/>
+              </a:ext>
+            </a:extLst>
+          </p:cNvPr>
+          <p:cNvSpPr>
+            <a:spLocks noGrp="1"/>
+          </p:cNvSpPr>
+          <p:nvPr>
+            <p:ph type="title"/>
+          </p:nvPr>
+        </p:nvSpPr>
+        <p:spPr/>
+        <p:txBody>
+          <a:bodyPr/>
+          <a:lstStyle/>
+          <a:p>
+            <a:endParaRPr lang="en-US"/>
+          </a:p>
+        </p:txBody>
+      </p:sp>
+      <p:sp>
+        <p:nvSpPr>
+          <p:cNvPr id="3" name="Content Placeholder 2">
+            <a:extLst>
+              <a:ext uri="{FF2B5EF4-FFF2-40B4-BE49-F238E27FC236}">
+                <a16:creationId xmlns:a16="http://schemas.microsoft.com/office/drawing/2014/main" id="{C0B0655C-7078-47A6-9C97-B81274EC0ECD}"/>
+              </a:ext>
+            </a:extLst>
+          </p:cNvPr>
+          <p:cNvSpPr>
+            <a:spLocks noGrp="1"/>
+          </p:cNvSpPr>
+          <p:nvPr>
+            <p:ph idx="1"/>
+          </p:nvPr>
+        </p:nvSpPr>
+        <p:spPr/>
+        <p:txBody>
+          <a:bodyPr/>
+          <a:lstStyle/>
+          <a:p>
+            <a:endParaRPr lang="en-US"/>
+          </a:p>
+        </p:txBody>
+      </p:sp>
+    </p:spTree>
+    <p:extLst>
+      <p:ext uri="{BB962C8B-B14F-4D97-AF65-F5344CB8AC3E}">
+        <p14:creationId xmlns:p14="http://schemas.microsoft.com/office/powerpoint/2010/main" val="1908839242"/>
+      </p:ext>
+    </p:extLst>
+  </p:cSld>
+  <p:clrMapOvr>
+    <a:masterClrMapping/>
+  </p:clrMapOvr>
+</p:sld>
+</file>
+
+<file path=ppt/slides/slide13.xml><?xml version="1.0" encoding="utf-8"?>
+<p:sld xmlns:a="http://schemas.openxmlformats.org/drawingml/2006/main" xmlns:r="http://schemas.openxmlformats.org/officeDocument/2006/relationships" xmlns:p="http://schemas.openxmlformats.org/presentationml/2006/main">
+  <p:cSld>
+    <p:spTree>
+      <p:nvGrpSpPr>
+        <p:cNvPr id="1" name=""/>
+        <p:cNvGrpSpPr/>
+        <p:nvPr/>
+      </p:nvGrpSpPr>
+      <p:grpSpPr>
+        <a:xfrm>
+          <a:off x="0" y="0"/>
+          <a:ext cx="0" cy="0"/>
+          <a:chOff x="0" y="0"/>
+          <a:chExt cx="0" cy="0"/>
+        </a:xfrm>
+      </p:grpSpPr>
+      <p:sp>
+        <p:nvSpPr>
+          <p:cNvPr id="2" name="Title 1">
+            <a:extLst>
+              <a:ext uri="{FF2B5EF4-FFF2-40B4-BE49-F238E27FC236}">
+                <a16:creationId xmlns:a16="http://schemas.microsoft.com/office/drawing/2014/main" id="{8B0EC8CC-12FF-4D67-915B-B777A4C1E8B0}"/>
+              </a:ext>
+            </a:extLst>
+          </p:cNvPr>
+          <p:cNvSpPr>
+            <a:spLocks noGrp="1"/>
+          </p:cNvSpPr>
+          <p:nvPr>
+            <p:ph type="title"/>
+          </p:nvPr>
+        </p:nvSpPr>
+        <p:spPr/>
+        <p:txBody>
+          <a:bodyPr/>
+          <a:lstStyle/>
+          <a:p>
+            <a:endParaRPr lang="en-US"/>
+          </a:p>
+        </p:txBody>
+      </p:sp>
+      <p:sp>
+        <p:nvSpPr>
+          <p:cNvPr id="3" name="Content Placeholder 2">
+            <a:extLst>
+              <a:ext uri="{FF2B5EF4-FFF2-40B4-BE49-F238E27FC236}">
+                <a16:creationId xmlns:a16="http://schemas.microsoft.com/office/drawing/2014/main" id="{D615241C-FAF6-4A6B-973D-701D54E3BCAA}"/>
+              </a:ext>
+            </a:extLst>
+          </p:cNvPr>
+          <p:cNvSpPr>
+            <a:spLocks noGrp="1"/>
+          </p:cNvSpPr>
+          <p:nvPr>
+            <p:ph idx="1"/>
+          </p:nvPr>
+        </p:nvSpPr>
+        <p:spPr/>
+        <p:txBody>
+          <a:bodyPr/>
+          <a:lstStyle/>
+          <a:p>
+            <a:endParaRPr lang="en-US"/>
+          </a:p>
+        </p:txBody>
+      </p:sp>
+    </p:spTree>
+    <p:extLst>
+      <p:ext uri="{BB962C8B-B14F-4D97-AF65-F5344CB8AC3E}">
+        <p14:creationId xmlns:p14="http://schemas.microsoft.com/office/powerpoint/2010/main" val="1171430163"/>
+      </p:ext>
+    </p:extLst>
+  </p:cSld>
+  <p:clrMapOvr>
+    <a:masterClrMapping/>
+  </p:clrMapOvr>
+</p:sld>
+</file>
+
+<file path=ppt/slides/slide14.xml><?xml version="1.0" encoding="utf-8"?>
+<p:sld xmlns:a="http://schemas.openxmlformats.org/drawingml/2006/main" xmlns:r="http://schemas.openxmlformats.org/officeDocument/2006/relationships" xmlns:p="http://schemas.openxmlformats.org/presentationml/2006/main">
+  <p:cSld>
+    <p:spTree>
+      <p:nvGrpSpPr>
+        <p:cNvPr id="1" name=""/>
+        <p:cNvGrpSpPr/>
+        <p:nvPr/>
+      </p:nvGrpSpPr>
+      <p:grpSpPr>
+        <a:xfrm>
+          <a:off x="0" y="0"/>
+          <a:ext cx="0" cy="0"/>
+          <a:chOff x="0" y="0"/>
+          <a:chExt cx="0" cy="0"/>
+        </a:xfrm>
+      </p:grpSpPr>
+      <p:sp>
+        <p:nvSpPr>
+          <p:cNvPr id="2" name="Title 1">
+            <a:extLst>
+              <a:ext uri="{FF2B5EF4-FFF2-40B4-BE49-F238E27FC236}">
                 <a16:creationId xmlns:a16="http://schemas.microsoft.com/office/drawing/2014/main" id="{0234CB83-0B8B-4DCA-82DD-A6F9363A9DD4}"/>
               </a:ext>
             </a:extLst>
@@ -4816,7 +5056,7 @@
 </p:sld>
 </file>
 
-<file path=ppt/slides/slide12.xml><?xml version="1.0" encoding="utf-8"?>
+<file path=ppt/slides/slide15.xml><?xml version="1.0" encoding="utf-8"?>
 <p:sld xmlns:a="http://schemas.openxmlformats.org/drawingml/2006/main" xmlns:r="http://schemas.openxmlformats.org/officeDocument/2006/relationships" xmlns:p="http://schemas.openxmlformats.org/presentationml/2006/main">
   <p:cSld>
     <p:spTree>
@@ -5290,7 +5530,7 @@
 </file>
 
 <file path=ppt/slides/slide6.xml><?xml version="1.0" encoding="utf-8"?>
-<p:sld xmlns:a="http://schemas.openxmlformats.org/drawingml/2006/main" xmlns:r="http://schemas.openxmlformats.org/officeDocument/2006/relationships" xmlns:p="http://schemas.openxmlformats.org/presentationml/2006/main">
+<p:sld xmlns:a="http://schemas.openxmlformats.org/drawingml/2006/main" xmlns:r="http://schemas.openxmlformats.org/officeDocument/2006/relationships" xmlns:p="http://schemas.openxmlformats.org/presentationml/2006/main" show="0">
   <p:cSld>
     <p:spTree>
       <p:nvGrpSpPr>
@@ -5362,7 +5602,7 @@
     </p:spTree>
     <p:extLst>
       <p:ext uri="{BB962C8B-B14F-4D97-AF65-F5344CB8AC3E}">
-        <p14:creationId xmlns:p14="http://schemas.microsoft.com/office/powerpoint/2010/main" val="2779176418"/>
+        <p14:creationId xmlns:p14="http://schemas.microsoft.com/office/powerpoint/2010/main" val="2716953671"/>
       </p:ext>
     </p:extLst>
   </p:cSld>
@@ -5373,7 +5613,7 @@
 </file>
 
 <file path=ppt/slides/slide7.xml><?xml version="1.0" encoding="utf-8"?>
-<p:sld xmlns:a="http://schemas.openxmlformats.org/drawingml/2006/main" xmlns:r="http://schemas.openxmlformats.org/officeDocument/2006/relationships" xmlns:p="http://schemas.openxmlformats.org/presentationml/2006/main">
+<p:sld xmlns:a="http://schemas.openxmlformats.org/drawingml/2006/main" xmlns:r="http://schemas.openxmlformats.org/officeDocument/2006/relationships" xmlns:p="http://schemas.openxmlformats.org/presentationml/2006/main" show="0">
   <p:cSld>
     <p:spTree>
       <p:nvGrpSpPr>
@@ -5445,7 +5685,7 @@
     </p:spTree>
     <p:extLst>
       <p:ext uri="{BB962C8B-B14F-4D97-AF65-F5344CB8AC3E}">
-        <p14:creationId xmlns:p14="http://schemas.microsoft.com/office/powerpoint/2010/main" val="2405342722"/>
+        <p14:creationId xmlns:p14="http://schemas.microsoft.com/office/powerpoint/2010/main" val="2677657686"/>
       </p:ext>
     </p:extLst>
   </p:cSld>
@@ -5477,7 +5717,7 @@
           <p:cNvPr id="2" name="Title 1">
             <a:extLst>
               <a:ext uri="{FF2B5EF4-FFF2-40B4-BE49-F238E27FC236}">
-                <a16:creationId xmlns:a16="http://schemas.microsoft.com/office/drawing/2014/main" id="{98EB014B-40F2-4DF8-AED7-FF5BDB31F558}"/>
+                <a16:creationId xmlns:a16="http://schemas.microsoft.com/office/drawing/2014/main" id="{DA8454CE-767F-438F-B320-0D94D8368E86}"/>
               </a:ext>
             </a:extLst>
           </p:cNvPr>
@@ -5493,10 +5733,7 @@
           <a:bodyPr/>
           <a:lstStyle/>
           <a:p>
-            <a:r>
-              <a:rPr lang="en-US" dirty="0"/>
-              <a:t>User Manuel</a:t>
-            </a:r>
+            <a:endParaRPr lang="en-US"/>
           </a:p>
         </p:txBody>
       </p:sp>
@@ -5505,7 +5742,7 @@
           <p:cNvPr id="3" name="Content Placeholder 2">
             <a:extLst>
               <a:ext uri="{FF2B5EF4-FFF2-40B4-BE49-F238E27FC236}">
-                <a16:creationId xmlns:a16="http://schemas.microsoft.com/office/drawing/2014/main" id="{B0517257-5C4B-435B-B8A2-70E8CC1D4801}"/>
+                <a16:creationId xmlns:a16="http://schemas.microsoft.com/office/drawing/2014/main" id="{2B499733-EE8A-4921-A410-A53756082093}"/>
               </a:ext>
             </a:extLst>
           </p:cNvPr>
@@ -5528,7 +5765,7 @@
     </p:spTree>
     <p:extLst>
       <p:ext uri="{BB962C8B-B14F-4D97-AF65-F5344CB8AC3E}">
-        <p14:creationId xmlns:p14="http://schemas.microsoft.com/office/powerpoint/2010/main" val="1204083385"/>
+        <p14:creationId xmlns:p14="http://schemas.microsoft.com/office/powerpoint/2010/main" val="1569030446"/>
       </p:ext>
     </p:extLst>
   </p:cSld>
@@ -5560,7 +5797,7 @@
           <p:cNvPr id="2" name="Title 1">
             <a:extLst>
               <a:ext uri="{FF2B5EF4-FFF2-40B4-BE49-F238E27FC236}">
-                <a16:creationId xmlns:a16="http://schemas.microsoft.com/office/drawing/2014/main" id="{1304FBFC-F899-4288-A961-103D444CE80D}"/>
+                <a16:creationId xmlns:a16="http://schemas.microsoft.com/office/drawing/2014/main" id="{68293135-747B-44D0-B99B-0CAA2DCCD56A}"/>
               </a:ext>
             </a:extLst>
           </p:cNvPr>
@@ -5576,10 +5813,7 @@
           <a:bodyPr/>
           <a:lstStyle/>
           <a:p>
-            <a:r>
-              <a:rPr lang="en-US" dirty="0"/>
-              <a:t>Data dictionary</a:t>
-            </a:r>
+            <a:endParaRPr lang="en-US"/>
           </a:p>
         </p:txBody>
       </p:sp>
@@ -5588,7 +5822,7 @@
           <p:cNvPr id="3" name="Content Placeholder 2">
             <a:extLst>
               <a:ext uri="{FF2B5EF4-FFF2-40B4-BE49-F238E27FC236}">
-                <a16:creationId xmlns:a16="http://schemas.microsoft.com/office/drawing/2014/main" id="{D522AB6B-BD10-46AF-9C74-D9F87AD9DAB0}"/>
+                <a16:creationId xmlns:a16="http://schemas.microsoft.com/office/drawing/2014/main" id="{8DD5E775-30FE-46A3-9391-C693FA950787}"/>
               </a:ext>
             </a:extLst>
           </p:cNvPr>
@@ -5611,7 +5845,7 @@
     </p:spTree>
     <p:extLst>
       <p:ext uri="{BB962C8B-B14F-4D97-AF65-F5344CB8AC3E}">
-        <p14:creationId xmlns:p14="http://schemas.microsoft.com/office/powerpoint/2010/main" val="1957413229"/>
+        <p14:creationId xmlns:p14="http://schemas.microsoft.com/office/powerpoint/2010/main" val="244507717"/>
       </p:ext>
     </p:extLst>
   </p:cSld>

--- a/Presentation/MakerSpace.pptx
+++ b/Presentation/MakerSpace.pptx
@@ -12,14 +12,15 @@
     <p:sldId id="265" r:id="rId6"/>
     <p:sldId id="266" r:id="rId7"/>
     <p:sldId id="275" r:id="rId8"/>
-    <p:sldId id="277" r:id="rId9"/>
-    <p:sldId id="278" r:id="rId10"/>
-    <p:sldId id="279" r:id="rId11"/>
-    <p:sldId id="280" r:id="rId12"/>
-    <p:sldId id="281" r:id="rId13"/>
-    <p:sldId id="282" r:id="rId14"/>
-    <p:sldId id="270" r:id="rId15"/>
-    <p:sldId id="276" r:id="rId16"/>
+    <p:sldId id="283" r:id="rId9"/>
+    <p:sldId id="277" r:id="rId10"/>
+    <p:sldId id="278" r:id="rId11"/>
+    <p:sldId id="279" r:id="rId12"/>
+    <p:sldId id="280" r:id="rId13"/>
+    <p:sldId id="281" r:id="rId14"/>
+    <p:sldId id="282" r:id="rId15"/>
+    <p:sldId id="270" r:id="rId16"/>
+    <p:sldId id="276" r:id="rId17"/>
   </p:sldIdLst>
   <p:sldSz cx="12192000" cy="6858000"/>
   <p:notesSz cx="6858000" cy="9144000"/>
@@ -595,7 +596,7 @@
           <a:p>
             <a:fld id="{EA0C0817-A112-4847-8014-A94B7D2A4EA3}" type="datetime1">
               <a:rPr lang="en-US" smtClean="0"/>
-              <a:t>2/26/2020</a:t>
+              <a:t>2/27/2020</a:t>
             </a:fld>
             <a:endParaRPr lang="en-US" dirty="0"/>
           </a:p>
@@ -797,7 +798,7 @@
           <a:p>
             <a:fld id="{134F40B7-36AB-4376-BE14-EF7004D79BB9}" type="datetime1">
               <a:rPr lang="en-US" smtClean="0"/>
-              <a:t>2/26/2020</a:t>
+              <a:t>2/27/2020</a:t>
             </a:fld>
             <a:endParaRPr lang="en-US"/>
           </a:p>
@@ -977,7 +978,7 @@
           <a:p>
             <a:fld id="{FF87CAB8-DCAE-46A5-AADA-B3FAD11A54E0}" type="datetime1">
               <a:rPr lang="en-US" smtClean="0"/>
-              <a:t>2/26/2020</a:t>
+              <a:t>2/27/2020</a:t>
             </a:fld>
             <a:endParaRPr lang="en-US"/>
           </a:p>
@@ -1147,7 +1148,7 @@
           <a:p>
             <a:fld id="{7332B432-ACDA-4023-A761-2BAB76577B62}" type="datetime1">
               <a:rPr lang="en-US" smtClean="0"/>
-              <a:t>2/26/2020</a:t>
+              <a:t>2/27/2020</a:t>
             </a:fld>
             <a:endParaRPr lang="en-US"/>
           </a:p>
@@ -1746,7 +1747,7 @@
           <a:p>
             <a:fld id="{D9C646AA-F36E-4540-911D-FFFC0A0EF24A}" type="datetime1">
               <a:rPr lang="en-US" smtClean="0"/>
-              <a:t>2/26/2020</a:t>
+              <a:t>2/27/2020</a:t>
             </a:fld>
             <a:endParaRPr lang="en-US" dirty="0"/>
           </a:p>
@@ -2066,7 +2067,7 @@
           <a:p>
             <a:fld id="{69186D26-FA5F-4637-B602-B7C2DC34CFD4}" type="datetime1">
               <a:rPr lang="en-US" smtClean="0"/>
-              <a:t>2/26/2020</a:t>
+              <a:t>2/27/2020</a:t>
             </a:fld>
             <a:endParaRPr lang="en-US"/>
           </a:p>
@@ -2503,7 +2504,7 @@
           <a:p>
             <a:fld id="{8A7F15D8-96D1-4781-BC50-CA8A088B2FE4}" type="datetime1">
               <a:rPr lang="en-US" smtClean="0"/>
-              <a:t>2/26/2020</a:t>
+              <a:t>2/27/2020</a:t>
             </a:fld>
             <a:endParaRPr lang="en-US"/>
           </a:p>
@@ -2621,7 +2622,7 @@
           <a:p>
             <a:fld id="{F9A96C99-B8F8-4528-BD05-0E16E943DC09}" type="datetime1">
               <a:rPr lang="en-US" smtClean="0"/>
-              <a:t>2/26/2020</a:t>
+              <a:t>2/27/2020</a:t>
             </a:fld>
             <a:endParaRPr lang="en-US"/>
           </a:p>
@@ -2716,7 +2717,7 @@
           <a:p>
             <a:fld id="{03636942-C211-4B28-8DBD-C953E00AF71B}" type="datetime1">
               <a:rPr lang="en-US" smtClean="0"/>
-              <a:t>2/26/2020</a:t>
+              <a:t>2/27/2020</a:t>
             </a:fld>
             <a:endParaRPr lang="en-US"/>
           </a:p>
@@ -3133,7 +3134,7 @@
           <a:p>
             <a:fld id="{7E8D12A6-918A-48BD-8CB9-CA713993B0EA}" type="datetime1">
               <a:rPr lang="en-US" smtClean="0"/>
-              <a:t>2/26/2020</a:t>
+              <a:t>2/27/2020</a:t>
             </a:fld>
             <a:endParaRPr lang="en-US"/>
           </a:p>
@@ -3395,7 +3396,7 @@
             <a:fld id="{E778CE86-875F-4587-BCF6-FA054AFC0D53}" type="datetime1">
               <a:rPr lang="en-US" smtClean="0"/>
               <a:pPr/>
-              <a:t>2/26/2020</a:t>
+              <a:t>2/27/2020</a:t>
             </a:fld>
             <a:endParaRPr lang="en-US" dirty="0"/>
           </a:p>
@@ -3911,7 +3912,7 @@
           <a:p>
             <a:fld id="{F6FA2B21-3FCD-4721-B95C-427943F61125}" type="datetime1">
               <a:rPr lang="en-US" smtClean="0"/>
-              <a:t>2/26/2020</a:t>
+              <a:t>2/27/2020</a:t>
             </a:fld>
             <a:endParaRPr lang="en-US"/>
           </a:p>
@@ -4675,7 +4676,7 @@
           <p:cNvPr id="2" name="Title 1">
             <a:extLst>
               <a:ext uri="{FF2B5EF4-FFF2-40B4-BE49-F238E27FC236}">
-                <a16:creationId xmlns:a16="http://schemas.microsoft.com/office/drawing/2014/main" id="{20E23148-A7B6-4387-AEA3-A3132DFA7B2F}"/>
+                <a16:creationId xmlns:a16="http://schemas.microsoft.com/office/drawing/2014/main" id="{68293135-747B-44D0-B99B-0CAA2DCCD56A}"/>
               </a:ext>
             </a:extLst>
           </p:cNvPr>
@@ -4700,7 +4701,7 @@
           <p:cNvPr id="3" name="Content Placeholder 2">
             <a:extLst>
               <a:ext uri="{FF2B5EF4-FFF2-40B4-BE49-F238E27FC236}">
-                <a16:creationId xmlns:a16="http://schemas.microsoft.com/office/drawing/2014/main" id="{0D3E3197-7659-4E9F-817C-445E80F5A6B8}"/>
+                <a16:creationId xmlns:a16="http://schemas.microsoft.com/office/drawing/2014/main" id="{8DD5E775-30FE-46A3-9391-C693FA950787}"/>
               </a:ext>
             </a:extLst>
           </p:cNvPr>
@@ -4723,7 +4724,7 @@
     </p:spTree>
     <p:extLst>
       <p:ext uri="{BB962C8B-B14F-4D97-AF65-F5344CB8AC3E}">
-        <p14:creationId xmlns:p14="http://schemas.microsoft.com/office/powerpoint/2010/main" val="3709535167"/>
+        <p14:creationId xmlns:p14="http://schemas.microsoft.com/office/powerpoint/2010/main" val="244507717"/>
       </p:ext>
     </p:extLst>
   </p:cSld>
@@ -4755,7 +4756,7 @@
           <p:cNvPr id="2" name="Title 1">
             <a:extLst>
               <a:ext uri="{FF2B5EF4-FFF2-40B4-BE49-F238E27FC236}">
-                <a16:creationId xmlns:a16="http://schemas.microsoft.com/office/drawing/2014/main" id="{AF9FC940-2B6C-478A-83DA-889454B308F6}"/>
+                <a16:creationId xmlns:a16="http://schemas.microsoft.com/office/drawing/2014/main" id="{20E23148-A7B6-4387-AEA3-A3132DFA7B2F}"/>
               </a:ext>
             </a:extLst>
           </p:cNvPr>
@@ -4780,7 +4781,7 @@
           <p:cNvPr id="3" name="Content Placeholder 2">
             <a:extLst>
               <a:ext uri="{FF2B5EF4-FFF2-40B4-BE49-F238E27FC236}">
-                <a16:creationId xmlns:a16="http://schemas.microsoft.com/office/drawing/2014/main" id="{650D1BD7-911E-4377-B9E8-DD7DF0683C57}"/>
+                <a16:creationId xmlns:a16="http://schemas.microsoft.com/office/drawing/2014/main" id="{0D3E3197-7659-4E9F-817C-445E80F5A6B8}"/>
               </a:ext>
             </a:extLst>
           </p:cNvPr>
@@ -4803,7 +4804,7 @@
     </p:spTree>
     <p:extLst>
       <p:ext uri="{BB962C8B-B14F-4D97-AF65-F5344CB8AC3E}">
-        <p14:creationId xmlns:p14="http://schemas.microsoft.com/office/powerpoint/2010/main" val="3711216605"/>
+        <p14:creationId xmlns:p14="http://schemas.microsoft.com/office/powerpoint/2010/main" val="3709535167"/>
       </p:ext>
     </p:extLst>
   </p:cSld>
@@ -4835,7 +4836,7 @@
           <p:cNvPr id="2" name="Title 1">
             <a:extLst>
               <a:ext uri="{FF2B5EF4-FFF2-40B4-BE49-F238E27FC236}">
-                <a16:creationId xmlns:a16="http://schemas.microsoft.com/office/drawing/2014/main" id="{90FA419D-FE24-4522-A61E-44C22EA94918}"/>
+                <a16:creationId xmlns:a16="http://schemas.microsoft.com/office/drawing/2014/main" id="{AF9FC940-2B6C-478A-83DA-889454B308F6}"/>
               </a:ext>
             </a:extLst>
           </p:cNvPr>
@@ -4860,7 +4861,7 @@
           <p:cNvPr id="3" name="Content Placeholder 2">
             <a:extLst>
               <a:ext uri="{FF2B5EF4-FFF2-40B4-BE49-F238E27FC236}">
-                <a16:creationId xmlns:a16="http://schemas.microsoft.com/office/drawing/2014/main" id="{C0B0655C-7078-47A6-9C97-B81274EC0ECD}"/>
+                <a16:creationId xmlns:a16="http://schemas.microsoft.com/office/drawing/2014/main" id="{650D1BD7-911E-4377-B9E8-DD7DF0683C57}"/>
               </a:ext>
             </a:extLst>
           </p:cNvPr>
@@ -4883,7 +4884,7 @@
     </p:spTree>
     <p:extLst>
       <p:ext uri="{BB962C8B-B14F-4D97-AF65-F5344CB8AC3E}">
-        <p14:creationId xmlns:p14="http://schemas.microsoft.com/office/powerpoint/2010/main" val="1908839242"/>
+        <p14:creationId xmlns:p14="http://schemas.microsoft.com/office/powerpoint/2010/main" val="3711216605"/>
       </p:ext>
     </p:extLst>
   </p:cSld>
@@ -4915,7 +4916,7 @@
           <p:cNvPr id="2" name="Title 1">
             <a:extLst>
               <a:ext uri="{FF2B5EF4-FFF2-40B4-BE49-F238E27FC236}">
-                <a16:creationId xmlns:a16="http://schemas.microsoft.com/office/drawing/2014/main" id="{8B0EC8CC-12FF-4D67-915B-B777A4C1E8B0}"/>
+                <a16:creationId xmlns:a16="http://schemas.microsoft.com/office/drawing/2014/main" id="{90FA419D-FE24-4522-A61E-44C22EA94918}"/>
               </a:ext>
             </a:extLst>
           </p:cNvPr>
@@ -4940,7 +4941,7 @@
           <p:cNvPr id="3" name="Content Placeholder 2">
             <a:extLst>
               <a:ext uri="{FF2B5EF4-FFF2-40B4-BE49-F238E27FC236}">
-                <a16:creationId xmlns:a16="http://schemas.microsoft.com/office/drawing/2014/main" id="{D615241C-FAF6-4A6B-973D-701D54E3BCAA}"/>
+                <a16:creationId xmlns:a16="http://schemas.microsoft.com/office/drawing/2014/main" id="{C0B0655C-7078-47A6-9C97-B81274EC0ECD}"/>
               </a:ext>
             </a:extLst>
           </p:cNvPr>
@@ -4963,7 +4964,7 @@
     </p:spTree>
     <p:extLst>
       <p:ext uri="{BB962C8B-B14F-4D97-AF65-F5344CB8AC3E}">
-        <p14:creationId xmlns:p14="http://schemas.microsoft.com/office/powerpoint/2010/main" val="1171430163"/>
+        <p14:creationId xmlns:p14="http://schemas.microsoft.com/office/powerpoint/2010/main" val="1908839242"/>
       </p:ext>
     </p:extLst>
   </p:cSld>
@@ -4995,6 +4996,86 @@
           <p:cNvPr id="2" name="Title 1">
             <a:extLst>
               <a:ext uri="{FF2B5EF4-FFF2-40B4-BE49-F238E27FC236}">
+                <a16:creationId xmlns:a16="http://schemas.microsoft.com/office/drawing/2014/main" id="{8B0EC8CC-12FF-4D67-915B-B777A4C1E8B0}"/>
+              </a:ext>
+            </a:extLst>
+          </p:cNvPr>
+          <p:cNvSpPr>
+            <a:spLocks noGrp="1"/>
+          </p:cNvSpPr>
+          <p:nvPr>
+            <p:ph type="title"/>
+          </p:nvPr>
+        </p:nvSpPr>
+        <p:spPr/>
+        <p:txBody>
+          <a:bodyPr/>
+          <a:lstStyle/>
+          <a:p>
+            <a:endParaRPr lang="en-US"/>
+          </a:p>
+        </p:txBody>
+      </p:sp>
+      <p:sp>
+        <p:nvSpPr>
+          <p:cNvPr id="3" name="Content Placeholder 2">
+            <a:extLst>
+              <a:ext uri="{FF2B5EF4-FFF2-40B4-BE49-F238E27FC236}">
+                <a16:creationId xmlns:a16="http://schemas.microsoft.com/office/drawing/2014/main" id="{D615241C-FAF6-4A6B-973D-701D54E3BCAA}"/>
+              </a:ext>
+            </a:extLst>
+          </p:cNvPr>
+          <p:cNvSpPr>
+            <a:spLocks noGrp="1"/>
+          </p:cNvSpPr>
+          <p:nvPr>
+            <p:ph idx="1"/>
+          </p:nvPr>
+        </p:nvSpPr>
+        <p:spPr/>
+        <p:txBody>
+          <a:bodyPr/>
+          <a:lstStyle/>
+          <a:p>
+            <a:endParaRPr lang="en-US"/>
+          </a:p>
+        </p:txBody>
+      </p:sp>
+    </p:spTree>
+    <p:extLst>
+      <p:ext uri="{BB962C8B-B14F-4D97-AF65-F5344CB8AC3E}">
+        <p14:creationId xmlns:p14="http://schemas.microsoft.com/office/powerpoint/2010/main" val="1171430163"/>
+      </p:ext>
+    </p:extLst>
+  </p:cSld>
+  <p:clrMapOvr>
+    <a:masterClrMapping/>
+  </p:clrMapOvr>
+</p:sld>
+</file>
+
+<file path=ppt/slides/slide15.xml><?xml version="1.0" encoding="utf-8"?>
+<p:sld xmlns:a="http://schemas.openxmlformats.org/drawingml/2006/main" xmlns:r="http://schemas.openxmlformats.org/officeDocument/2006/relationships" xmlns:p="http://schemas.openxmlformats.org/presentationml/2006/main">
+  <p:cSld>
+    <p:spTree>
+      <p:nvGrpSpPr>
+        <p:cNvPr id="1" name=""/>
+        <p:cNvGrpSpPr/>
+        <p:nvPr/>
+      </p:nvGrpSpPr>
+      <p:grpSpPr>
+        <a:xfrm>
+          <a:off x="0" y="0"/>
+          <a:ext cx="0" cy="0"/>
+          <a:chOff x="0" y="0"/>
+          <a:chExt cx="0" cy="0"/>
+        </a:xfrm>
+      </p:grpSpPr>
+      <p:sp>
+        <p:nvSpPr>
+          <p:cNvPr id="2" name="Title 1">
+            <a:extLst>
+              <a:ext uri="{FF2B5EF4-FFF2-40B4-BE49-F238E27FC236}">
                 <a16:creationId xmlns:a16="http://schemas.microsoft.com/office/drawing/2014/main" id="{0234CB83-0B8B-4DCA-82DD-A6F9363A9DD4}"/>
               </a:ext>
             </a:extLst>
@@ -5056,7 +5137,7 @@
 </p:sld>
 </file>
 
-<file path=ppt/slides/slide15.xml><?xml version="1.0" encoding="utf-8"?>
+<file path=ppt/slides/slide16.xml><?xml version="1.0" encoding="utf-8"?>
 <p:sld xmlns:a="http://schemas.openxmlformats.org/drawingml/2006/main" xmlns:r="http://schemas.openxmlformats.org/officeDocument/2006/relationships" xmlns:p="http://schemas.openxmlformats.org/presentationml/2006/main">
   <p:cSld>
     <p:spTree>
@@ -5717,7 +5798,7 @@
           <p:cNvPr id="2" name="Title 1">
             <a:extLst>
               <a:ext uri="{FF2B5EF4-FFF2-40B4-BE49-F238E27FC236}">
-                <a16:creationId xmlns:a16="http://schemas.microsoft.com/office/drawing/2014/main" id="{DA8454CE-767F-438F-B320-0D94D8368E86}"/>
+                <a16:creationId xmlns:a16="http://schemas.microsoft.com/office/drawing/2014/main" id="{85B96808-E0A6-4208-8C79-8CCCD6427600}"/>
               </a:ext>
             </a:extLst>
           </p:cNvPr>
@@ -5733,7 +5814,10 @@
           <a:bodyPr/>
           <a:lstStyle/>
           <a:p>
-            <a:endParaRPr lang="en-US"/>
+            <a:r>
+              <a:rPr lang="en-US" dirty="0"/>
+              <a:t>What is Makerspace</a:t>
+            </a:r>
           </a:p>
         </p:txBody>
       </p:sp>
@@ -5742,7 +5826,7 @@
           <p:cNvPr id="3" name="Content Placeholder 2">
             <a:extLst>
               <a:ext uri="{FF2B5EF4-FFF2-40B4-BE49-F238E27FC236}">
-                <a16:creationId xmlns:a16="http://schemas.microsoft.com/office/drawing/2014/main" id="{2B499733-EE8A-4921-A410-A53756082093}"/>
+                <a16:creationId xmlns:a16="http://schemas.microsoft.com/office/drawing/2014/main" id="{9397FA51-B29B-41FF-8045-90165F8899A8}"/>
               </a:ext>
             </a:extLst>
           </p:cNvPr>
@@ -5758,14 +5842,29 @@
           <a:bodyPr/>
           <a:lstStyle/>
           <a:p>
-            <a:endParaRPr lang="en-US"/>
+            <a:r>
+              <a:rPr lang="en-US" dirty="0"/>
+              <a:t>Makerspace is a collaborative work space inside schools, libraries, or even separate public/private facility for making, learning, exploring and sharing that uses high tech to no tech tools.</a:t>
+            </a:r>
+          </a:p>
+          <a:p>
+            <a:r>
+              <a:rPr lang="en-US" dirty="0"/>
+              <a:t>Makerspaces provide hands-on, creative ways to encourage students to design, experiment, build and invent as they deeply engage in science, engineering and tinkering.</a:t>
+            </a:r>
+          </a:p>
+          <a:p>
+            <a:r>
+              <a:rPr lang="en-US" dirty="0"/>
+              <a:t>A makerspace is not solely a science lab, woodshop, computer lab or art room, but it may contain elements found in all of these familiar spaces.</a:t>
+            </a:r>
           </a:p>
         </p:txBody>
       </p:sp>
     </p:spTree>
     <p:extLst>
       <p:ext uri="{BB962C8B-B14F-4D97-AF65-F5344CB8AC3E}">
-        <p14:creationId xmlns:p14="http://schemas.microsoft.com/office/powerpoint/2010/main" val="1569030446"/>
+        <p14:creationId xmlns:p14="http://schemas.microsoft.com/office/powerpoint/2010/main" val="2172592902"/>
       </p:ext>
     </p:extLst>
   </p:cSld>
@@ -5797,7 +5896,7 @@
           <p:cNvPr id="2" name="Title 1">
             <a:extLst>
               <a:ext uri="{FF2B5EF4-FFF2-40B4-BE49-F238E27FC236}">
-                <a16:creationId xmlns:a16="http://schemas.microsoft.com/office/drawing/2014/main" id="{68293135-747B-44D0-B99B-0CAA2DCCD56A}"/>
+                <a16:creationId xmlns:a16="http://schemas.microsoft.com/office/drawing/2014/main" id="{DA8454CE-767F-438F-B320-0D94D8368E86}"/>
               </a:ext>
             </a:extLst>
           </p:cNvPr>
@@ -5822,7 +5921,7 @@
           <p:cNvPr id="3" name="Content Placeholder 2">
             <a:extLst>
               <a:ext uri="{FF2B5EF4-FFF2-40B4-BE49-F238E27FC236}">
-                <a16:creationId xmlns:a16="http://schemas.microsoft.com/office/drawing/2014/main" id="{8DD5E775-30FE-46A3-9391-C693FA950787}"/>
+                <a16:creationId xmlns:a16="http://schemas.microsoft.com/office/drawing/2014/main" id="{2B499733-EE8A-4921-A410-A53756082093}"/>
               </a:ext>
             </a:extLst>
           </p:cNvPr>
@@ -5845,7 +5944,7 @@
     </p:spTree>
     <p:extLst>
       <p:ext uri="{BB962C8B-B14F-4D97-AF65-F5344CB8AC3E}">
-        <p14:creationId xmlns:p14="http://schemas.microsoft.com/office/powerpoint/2010/main" val="244507717"/>
+        <p14:creationId xmlns:p14="http://schemas.microsoft.com/office/powerpoint/2010/main" val="1569030446"/>
       </p:ext>
     </p:extLst>
   </p:cSld>

--- a/Presentation/MakerSpace.pptx
+++ b/Presentation/MakerSpace.pptx
@@ -596,7 +596,7 @@
           <a:p>
             <a:fld id="{EA0C0817-A112-4847-8014-A94B7D2A4EA3}" type="datetime1">
               <a:rPr lang="en-US" smtClean="0"/>
-              <a:t>2/27/2020</a:t>
+              <a:t>2/28/20</a:t>
             </a:fld>
             <a:endParaRPr lang="en-US" dirty="0"/>
           </a:p>
@@ -798,7 +798,7 @@
           <a:p>
             <a:fld id="{134F40B7-36AB-4376-BE14-EF7004D79BB9}" type="datetime1">
               <a:rPr lang="en-US" smtClean="0"/>
-              <a:t>2/27/2020</a:t>
+              <a:t>2/28/20</a:t>
             </a:fld>
             <a:endParaRPr lang="en-US"/>
           </a:p>
@@ -978,7 +978,7 @@
           <a:p>
             <a:fld id="{FF87CAB8-DCAE-46A5-AADA-B3FAD11A54E0}" type="datetime1">
               <a:rPr lang="en-US" smtClean="0"/>
-              <a:t>2/27/2020</a:t>
+              <a:t>2/28/20</a:t>
             </a:fld>
             <a:endParaRPr lang="en-US"/>
           </a:p>
@@ -1148,7 +1148,7 @@
           <a:p>
             <a:fld id="{7332B432-ACDA-4023-A761-2BAB76577B62}" type="datetime1">
               <a:rPr lang="en-US" smtClean="0"/>
-              <a:t>2/27/2020</a:t>
+              <a:t>2/28/20</a:t>
             </a:fld>
             <a:endParaRPr lang="en-US"/>
           </a:p>
@@ -1747,7 +1747,7 @@
           <a:p>
             <a:fld id="{D9C646AA-F36E-4540-911D-FFFC0A0EF24A}" type="datetime1">
               <a:rPr lang="en-US" smtClean="0"/>
-              <a:t>2/27/2020</a:t>
+              <a:t>2/28/20</a:t>
             </a:fld>
             <a:endParaRPr lang="en-US" dirty="0"/>
           </a:p>
@@ -2067,7 +2067,7 @@
           <a:p>
             <a:fld id="{69186D26-FA5F-4637-B602-B7C2DC34CFD4}" type="datetime1">
               <a:rPr lang="en-US" smtClean="0"/>
-              <a:t>2/27/2020</a:t>
+              <a:t>2/28/20</a:t>
             </a:fld>
             <a:endParaRPr lang="en-US"/>
           </a:p>
@@ -2504,7 +2504,7 @@
           <a:p>
             <a:fld id="{8A7F15D8-96D1-4781-BC50-CA8A088B2FE4}" type="datetime1">
               <a:rPr lang="en-US" smtClean="0"/>
-              <a:t>2/27/2020</a:t>
+              <a:t>2/28/20</a:t>
             </a:fld>
             <a:endParaRPr lang="en-US"/>
           </a:p>
@@ -2622,7 +2622,7 @@
           <a:p>
             <a:fld id="{F9A96C99-B8F8-4528-BD05-0E16E943DC09}" type="datetime1">
               <a:rPr lang="en-US" smtClean="0"/>
-              <a:t>2/27/2020</a:t>
+              <a:t>2/28/20</a:t>
             </a:fld>
             <a:endParaRPr lang="en-US"/>
           </a:p>
@@ -2717,7 +2717,7 @@
           <a:p>
             <a:fld id="{03636942-C211-4B28-8DBD-C953E00AF71B}" type="datetime1">
               <a:rPr lang="en-US" smtClean="0"/>
-              <a:t>2/27/2020</a:t>
+              <a:t>2/28/20</a:t>
             </a:fld>
             <a:endParaRPr lang="en-US"/>
           </a:p>
@@ -3134,7 +3134,7 @@
           <a:p>
             <a:fld id="{7E8D12A6-918A-48BD-8CB9-CA713993B0EA}" type="datetime1">
               <a:rPr lang="en-US" smtClean="0"/>
-              <a:t>2/27/2020</a:t>
+              <a:t>2/28/20</a:t>
             </a:fld>
             <a:endParaRPr lang="en-US"/>
           </a:p>
@@ -3396,7 +3396,7 @@
             <a:fld id="{E778CE86-875F-4587-BCF6-FA054AFC0D53}" type="datetime1">
               <a:rPr lang="en-US" smtClean="0"/>
               <a:pPr/>
-              <a:t>2/27/2020</a:t>
+              <a:t>2/28/20</a:t>
             </a:fld>
             <a:endParaRPr lang="en-US" dirty="0"/>
           </a:p>
@@ -3912,7 +3912,7 @@
           <a:p>
             <a:fld id="{F6FA2B21-3FCD-4721-B95C-427943F61125}" type="datetime1">
               <a:rPr lang="en-US" smtClean="0"/>
-              <a:t>2/27/2020</a:t>
+              <a:t>2/28/20</a:t>
             </a:fld>
             <a:endParaRPr lang="en-US"/>
           </a:p>
@@ -4692,7 +4692,7 @@
           <a:bodyPr/>
           <a:lstStyle/>
           <a:p>
-            <a:endParaRPr lang="en-US"/>
+            <a:endParaRPr lang="en-US" dirty="0"/>
           </a:p>
         </p:txBody>
       </p:sp>
@@ -4717,7 +4717,7 @@
           <a:bodyPr/>
           <a:lstStyle/>
           <a:p>
-            <a:endParaRPr lang="en-US"/>
+            <a:endParaRPr lang="en-US" dirty="0"/>
           </a:p>
         </p:txBody>
       </p:sp>
@@ -5912,7 +5912,10 @@
           <a:bodyPr/>
           <a:lstStyle/>
           <a:p>
-            <a:endParaRPr lang="en-US"/>
+            <a:r>
+              <a:rPr lang="en-US" dirty="0"/>
+              <a:t>Possible future additions to code</a:t>
+            </a:r>
           </a:p>
         </p:txBody>
       </p:sp>
@@ -5937,7 +5940,25 @@
           <a:bodyPr/>
           <a:lstStyle/>
           <a:p>
-            <a:endParaRPr lang="en-US"/>
+            <a:r>
+              <a:rPr lang="en-US" dirty="0"/>
+              <a:t>Scheduling spaces, time, and materials</a:t>
+            </a:r>
+          </a:p>
+          <a:p>
+            <a:r>
+              <a:rPr lang="en-US" dirty="0"/>
+              <a:t>Subscriptions so you don’t have to pay every time you enter</a:t>
+            </a:r>
+          </a:p>
+          <a:p>
+            <a:r>
+              <a:rPr lang="en-US" dirty="0"/>
+              <a:t>Keeping inventory so users could know what’s available and owners could restock</a:t>
+            </a:r>
+          </a:p>
+          <a:p>
+            <a:endParaRPr lang="en-US" dirty="0"/>
           </a:p>
         </p:txBody>
       </p:sp>

--- a/Presentation/MakerSpace.pptx
+++ b/Presentation/MakerSpace.pptx
@@ -13,14 +13,15 @@
     <p:sldId id="266" r:id="rId7"/>
     <p:sldId id="275" r:id="rId8"/>
     <p:sldId id="283" r:id="rId9"/>
-    <p:sldId id="277" r:id="rId10"/>
-    <p:sldId id="278" r:id="rId11"/>
-    <p:sldId id="279" r:id="rId12"/>
-    <p:sldId id="280" r:id="rId13"/>
-    <p:sldId id="281" r:id="rId14"/>
-    <p:sldId id="282" r:id="rId15"/>
-    <p:sldId id="270" r:id="rId16"/>
-    <p:sldId id="276" r:id="rId17"/>
+    <p:sldId id="284" r:id="rId10"/>
+    <p:sldId id="277" r:id="rId11"/>
+    <p:sldId id="278" r:id="rId12"/>
+    <p:sldId id="279" r:id="rId13"/>
+    <p:sldId id="280" r:id="rId14"/>
+    <p:sldId id="281" r:id="rId15"/>
+    <p:sldId id="282" r:id="rId16"/>
+    <p:sldId id="270" r:id="rId17"/>
+    <p:sldId id="276" r:id="rId18"/>
   </p:sldIdLst>
   <p:sldSz cx="12192000" cy="6858000"/>
   <p:notesSz cx="6858000" cy="9144000"/>
@@ -4676,7 +4677,7 @@
           <p:cNvPr id="2" name="Title 1">
             <a:extLst>
               <a:ext uri="{FF2B5EF4-FFF2-40B4-BE49-F238E27FC236}">
-                <a16:creationId xmlns:a16="http://schemas.microsoft.com/office/drawing/2014/main" id="{68293135-747B-44D0-B99B-0CAA2DCCD56A}"/>
+                <a16:creationId xmlns:a16="http://schemas.microsoft.com/office/drawing/2014/main" id="{DA8454CE-767F-438F-B320-0D94D8368E86}"/>
               </a:ext>
             </a:extLst>
           </p:cNvPr>
@@ -4701,7 +4702,7 @@
           <p:cNvPr id="3" name="Content Placeholder 2">
             <a:extLst>
               <a:ext uri="{FF2B5EF4-FFF2-40B4-BE49-F238E27FC236}">
-                <a16:creationId xmlns:a16="http://schemas.microsoft.com/office/drawing/2014/main" id="{8DD5E775-30FE-46A3-9391-C693FA950787}"/>
+                <a16:creationId xmlns:a16="http://schemas.microsoft.com/office/drawing/2014/main" id="{2B499733-EE8A-4921-A410-A53756082093}"/>
               </a:ext>
             </a:extLst>
           </p:cNvPr>
@@ -4724,7 +4725,7 @@
     </p:spTree>
     <p:extLst>
       <p:ext uri="{BB962C8B-B14F-4D97-AF65-F5344CB8AC3E}">
-        <p14:creationId xmlns:p14="http://schemas.microsoft.com/office/powerpoint/2010/main" val="244507717"/>
+        <p14:creationId xmlns:p14="http://schemas.microsoft.com/office/powerpoint/2010/main" val="1569030446"/>
       </p:ext>
     </p:extLst>
   </p:cSld>
@@ -4756,7 +4757,7 @@
           <p:cNvPr id="2" name="Title 1">
             <a:extLst>
               <a:ext uri="{FF2B5EF4-FFF2-40B4-BE49-F238E27FC236}">
-                <a16:creationId xmlns:a16="http://schemas.microsoft.com/office/drawing/2014/main" id="{20E23148-A7B6-4387-AEA3-A3132DFA7B2F}"/>
+                <a16:creationId xmlns:a16="http://schemas.microsoft.com/office/drawing/2014/main" id="{68293135-747B-44D0-B99B-0CAA2DCCD56A}"/>
               </a:ext>
             </a:extLst>
           </p:cNvPr>
@@ -4781,7 +4782,7 @@
           <p:cNvPr id="3" name="Content Placeholder 2">
             <a:extLst>
               <a:ext uri="{FF2B5EF4-FFF2-40B4-BE49-F238E27FC236}">
-                <a16:creationId xmlns:a16="http://schemas.microsoft.com/office/drawing/2014/main" id="{0D3E3197-7659-4E9F-817C-445E80F5A6B8}"/>
+                <a16:creationId xmlns:a16="http://schemas.microsoft.com/office/drawing/2014/main" id="{8DD5E775-30FE-46A3-9391-C693FA950787}"/>
               </a:ext>
             </a:extLst>
           </p:cNvPr>
@@ -4804,7 +4805,7 @@
     </p:spTree>
     <p:extLst>
       <p:ext uri="{BB962C8B-B14F-4D97-AF65-F5344CB8AC3E}">
-        <p14:creationId xmlns:p14="http://schemas.microsoft.com/office/powerpoint/2010/main" val="3709535167"/>
+        <p14:creationId xmlns:p14="http://schemas.microsoft.com/office/powerpoint/2010/main" val="244507717"/>
       </p:ext>
     </p:extLst>
   </p:cSld>
@@ -4836,7 +4837,7 @@
           <p:cNvPr id="2" name="Title 1">
             <a:extLst>
               <a:ext uri="{FF2B5EF4-FFF2-40B4-BE49-F238E27FC236}">
-                <a16:creationId xmlns:a16="http://schemas.microsoft.com/office/drawing/2014/main" id="{AF9FC940-2B6C-478A-83DA-889454B308F6}"/>
+                <a16:creationId xmlns:a16="http://schemas.microsoft.com/office/drawing/2014/main" id="{20E23148-A7B6-4387-AEA3-A3132DFA7B2F}"/>
               </a:ext>
             </a:extLst>
           </p:cNvPr>
@@ -4861,7 +4862,7 @@
           <p:cNvPr id="3" name="Content Placeholder 2">
             <a:extLst>
               <a:ext uri="{FF2B5EF4-FFF2-40B4-BE49-F238E27FC236}">
-                <a16:creationId xmlns:a16="http://schemas.microsoft.com/office/drawing/2014/main" id="{650D1BD7-911E-4377-B9E8-DD7DF0683C57}"/>
+                <a16:creationId xmlns:a16="http://schemas.microsoft.com/office/drawing/2014/main" id="{0D3E3197-7659-4E9F-817C-445E80F5A6B8}"/>
               </a:ext>
             </a:extLst>
           </p:cNvPr>
@@ -4884,7 +4885,7 @@
     </p:spTree>
     <p:extLst>
       <p:ext uri="{BB962C8B-B14F-4D97-AF65-F5344CB8AC3E}">
-        <p14:creationId xmlns:p14="http://schemas.microsoft.com/office/powerpoint/2010/main" val="3711216605"/>
+        <p14:creationId xmlns:p14="http://schemas.microsoft.com/office/powerpoint/2010/main" val="3709535167"/>
       </p:ext>
     </p:extLst>
   </p:cSld>
@@ -4916,7 +4917,7 @@
           <p:cNvPr id="2" name="Title 1">
             <a:extLst>
               <a:ext uri="{FF2B5EF4-FFF2-40B4-BE49-F238E27FC236}">
-                <a16:creationId xmlns:a16="http://schemas.microsoft.com/office/drawing/2014/main" id="{90FA419D-FE24-4522-A61E-44C22EA94918}"/>
+                <a16:creationId xmlns:a16="http://schemas.microsoft.com/office/drawing/2014/main" id="{AF9FC940-2B6C-478A-83DA-889454B308F6}"/>
               </a:ext>
             </a:extLst>
           </p:cNvPr>
@@ -4941,7 +4942,7 @@
           <p:cNvPr id="3" name="Content Placeholder 2">
             <a:extLst>
               <a:ext uri="{FF2B5EF4-FFF2-40B4-BE49-F238E27FC236}">
-                <a16:creationId xmlns:a16="http://schemas.microsoft.com/office/drawing/2014/main" id="{C0B0655C-7078-47A6-9C97-B81274EC0ECD}"/>
+                <a16:creationId xmlns:a16="http://schemas.microsoft.com/office/drawing/2014/main" id="{650D1BD7-911E-4377-B9E8-DD7DF0683C57}"/>
               </a:ext>
             </a:extLst>
           </p:cNvPr>
@@ -4964,7 +4965,7 @@
     </p:spTree>
     <p:extLst>
       <p:ext uri="{BB962C8B-B14F-4D97-AF65-F5344CB8AC3E}">
-        <p14:creationId xmlns:p14="http://schemas.microsoft.com/office/powerpoint/2010/main" val="1908839242"/>
+        <p14:creationId xmlns:p14="http://schemas.microsoft.com/office/powerpoint/2010/main" val="3711216605"/>
       </p:ext>
     </p:extLst>
   </p:cSld>
@@ -4996,7 +4997,7 @@
           <p:cNvPr id="2" name="Title 1">
             <a:extLst>
               <a:ext uri="{FF2B5EF4-FFF2-40B4-BE49-F238E27FC236}">
-                <a16:creationId xmlns:a16="http://schemas.microsoft.com/office/drawing/2014/main" id="{8B0EC8CC-12FF-4D67-915B-B777A4C1E8B0}"/>
+                <a16:creationId xmlns:a16="http://schemas.microsoft.com/office/drawing/2014/main" id="{90FA419D-FE24-4522-A61E-44C22EA94918}"/>
               </a:ext>
             </a:extLst>
           </p:cNvPr>
@@ -5021,7 +5022,7 @@
           <p:cNvPr id="3" name="Content Placeholder 2">
             <a:extLst>
               <a:ext uri="{FF2B5EF4-FFF2-40B4-BE49-F238E27FC236}">
-                <a16:creationId xmlns:a16="http://schemas.microsoft.com/office/drawing/2014/main" id="{D615241C-FAF6-4A6B-973D-701D54E3BCAA}"/>
+                <a16:creationId xmlns:a16="http://schemas.microsoft.com/office/drawing/2014/main" id="{C0B0655C-7078-47A6-9C97-B81274EC0ECD}"/>
               </a:ext>
             </a:extLst>
           </p:cNvPr>
@@ -5044,7 +5045,7 @@
     </p:spTree>
     <p:extLst>
       <p:ext uri="{BB962C8B-B14F-4D97-AF65-F5344CB8AC3E}">
-        <p14:creationId xmlns:p14="http://schemas.microsoft.com/office/powerpoint/2010/main" val="1171430163"/>
+        <p14:creationId xmlns:p14="http://schemas.microsoft.com/office/powerpoint/2010/main" val="1908839242"/>
       </p:ext>
     </p:extLst>
   </p:cSld>
@@ -5076,6 +5077,86 @@
           <p:cNvPr id="2" name="Title 1">
             <a:extLst>
               <a:ext uri="{FF2B5EF4-FFF2-40B4-BE49-F238E27FC236}">
+                <a16:creationId xmlns:a16="http://schemas.microsoft.com/office/drawing/2014/main" id="{8B0EC8CC-12FF-4D67-915B-B777A4C1E8B0}"/>
+              </a:ext>
+            </a:extLst>
+          </p:cNvPr>
+          <p:cNvSpPr>
+            <a:spLocks noGrp="1"/>
+          </p:cNvSpPr>
+          <p:nvPr>
+            <p:ph type="title"/>
+          </p:nvPr>
+        </p:nvSpPr>
+        <p:spPr/>
+        <p:txBody>
+          <a:bodyPr/>
+          <a:lstStyle/>
+          <a:p>
+            <a:endParaRPr lang="en-US"/>
+          </a:p>
+        </p:txBody>
+      </p:sp>
+      <p:sp>
+        <p:nvSpPr>
+          <p:cNvPr id="3" name="Content Placeholder 2">
+            <a:extLst>
+              <a:ext uri="{FF2B5EF4-FFF2-40B4-BE49-F238E27FC236}">
+                <a16:creationId xmlns:a16="http://schemas.microsoft.com/office/drawing/2014/main" id="{D615241C-FAF6-4A6B-973D-701D54E3BCAA}"/>
+              </a:ext>
+            </a:extLst>
+          </p:cNvPr>
+          <p:cNvSpPr>
+            <a:spLocks noGrp="1"/>
+          </p:cNvSpPr>
+          <p:nvPr>
+            <p:ph idx="1"/>
+          </p:nvPr>
+        </p:nvSpPr>
+        <p:spPr/>
+        <p:txBody>
+          <a:bodyPr/>
+          <a:lstStyle/>
+          <a:p>
+            <a:endParaRPr lang="en-US"/>
+          </a:p>
+        </p:txBody>
+      </p:sp>
+    </p:spTree>
+    <p:extLst>
+      <p:ext uri="{BB962C8B-B14F-4D97-AF65-F5344CB8AC3E}">
+        <p14:creationId xmlns:p14="http://schemas.microsoft.com/office/powerpoint/2010/main" val="1171430163"/>
+      </p:ext>
+    </p:extLst>
+  </p:cSld>
+  <p:clrMapOvr>
+    <a:masterClrMapping/>
+  </p:clrMapOvr>
+</p:sld>
+</file>
+
+<file path=ppt/slides/slide16.xml><?xml version="1.0" encoding="utf-8"?>
+<p:sld xmlns:a="http://schemas.openxmlformats.org/drawingml/2006/main" xmlns:r="http://schemas.openxmlformats.org/officeDocument/2006/relationships" xmlns:p="http://schemas.openxmlformats.org/presentationml/2006/main">
+  <p:cSld>
+    <p:spTree>
+      <p:nvGrpSpPr>
+        <p:cNvPr id="1" name=""/>
+        <p:cNvGrpSpPr/>
+        <p:nvPr/>
+      </p:nvGrpSpPr>
+      <p:grpSpPr>
+        <a:xfrm>
+          <a:off x="0" y="0"/>
+          <a:ext cx="0" cy="0"/>
+          <a:chOff x="0" y="0"/>
+          <a:chExt cx="0" cy="0"/>
+        </a:xfrm>
+      </p:grpSpPr>
+      <p:sp>
+        <p:nvSpPr>
+          <p:cNvPr id="2" name="Title 1">
+            <a:extLst>
+              <a:ext uri="{FF2B5EF4-FFF2-40B4-BE49-F238E27FC236}">
                 <a16:creationId xmlns:a16="http://schemas.microsoft.com/office/drawing/2014/main" id="{0234CB83-0B8B-4DCA-82DD-A6F9363A9DD4}"/>
               </a:ext>
             </a:extLst>
@@ -5137,7 +5218,7 @@
 </p:sld>
 </file>
 
-<file path=ppt/slides/slide16.xml><?xml version="1.0" encoding="utf-8"?>
+<file path=ppt/slides/slide17.xml><?xml version="1.0" encoding="utf-8"?>
 <p:sld xmlns:a="http://schemas.openxmlformats.org/drawingml/2006/main" xmlns:r="http://schemas.openxmlformats.org/officeDocument/2006/relationships" xmlns:p="http://schemas.openxmlformats.org/presentationml/2006/main">
   <p:cSld>
     <p:spTree>
@@ -5896,7 +5977,7 @@
           <p:cNvPr id="2" name="Title 1">
             <a:extLst>
               <a:ext uri="{FF2B5EF4-FFF2-40B4-BE49-F238E27FC236}">
-                <a16:creationId xmlns:a16="http://schemas.microsoft.com/office/drawing/2014/main" id="{DA8454CE-767F-438F-B320-0D94D8368E86}"/>
+                <a16:creationId xmlns:a16="http://schemas.microsoft.com/office/drawing/2014/main" id="{1BED6470-8551-4E74-8213-F7A28F01BCF7}"/>
               </a:ext>
             </a:extLst>
           </p:cNvPr>
@@ -5921,7 +6002,7 @@
           <p:cNvPr id="3" name="Content Placeholder 2">
             <a:extLst>
               <a:ext uri="{FF2B5EF4-FFF2-40B4-BE49-F238E27FC236}">
-                <a16:creationId xmlns:a16="http://schemas.microsoft.com/office/drawing/2014/main" id="{2B499733-EE8A-4921-A410-A53756082093}"/>
+                <a16:creationId xmlns:a16="http://schemas.microsoft.com/office/drawing/2014/main" id="{B97E0821-829B-455C-B62B-ECB791F61214}"/>
               </a:ext>
             </a:extLst>
           </p:cNvPr>
@@ -5944,7 +6025,7 @@
     </p:spTree>
     <p:extLst>
       <p:ext uri="{BB962C8B-B14F-4D97-AF65-F5344CB8AC3E}">
-        <p14:creationId xmlns:p14="http://schemas.microsoft.com/office/powerpoint/2010/main" val="1569030446"/>
+        <p14:creationId xmlns:p14="http://schemas.microsoft.com/office/powerpoint/2010/main" val="376118527"/>
       </p:ext>
     </p:extLst>
   </p:cSld>

--- a/Presentation/MakerSpace.pptx
+++ b/Presentation/MakerSpace.pptx
@@ -597,7 +597,7 @@
           <a:p>
             <a:fld id="{EA0C0817-A112-4847-8014-A94B7D2A4EA3}" type="datetime1">
               <a:rPr lang="en-US" smtClean="0"/>
-              <a:t>2/27/2020</a:t>
+              <a:t>3/1/20</a:t>
             </a:fld>
             <a:endParaRPr lang="en-US" dirty="0"/>
           </a:p>
@@ -799,7 +799,7 @@
           <a:p>
             <a:fld id="{134F40B7-36AB-4376-BE14-EF7004D79BB9}" type="datetime1">
               <a:rPr lang="en-US" smtClean="0"/>
-              <a:t>2/27/2020</a:t>
+              <a:t>3/1/20</a:t>
             </a:fld>
             <a:endParaRPr lang="en-US"/>
           </a:p>
@@ -979,7 +979,7 @@
           <a:p>
             <a:fld id="{FF87CAB8-DCAE-46A5-AADA-B3FAD11A54E0}" type="datetime1">
               <a:rPr lang="en-US" smtClean="0"/>
-              <a:t>2/27/2020</a:t>
+              <a:t>3/1/20</a:t>
             </a:fld>
             <a:endParaRPr lang="en-US"/>
           </a:p>
@@ -1149,7 +1149,7 @@
           <a:p>
             <a:fld id="{7332B432-ACDA-4023-A761-2BAB76577B62}" type="datetime1">
               <a:rPr lang="en-US" smtClean="0"/>
-              <a:t>2/27/2020</a:t>
+              <a:t>3/1/20</a:t>
             </a:fld>
             <a:endParaRPr lang="en-US"/>
           </a:p>
@@ -1748,7 +1748,7 @@
           <a:p>
             <a:fld id="{D9C646AA-F36E-4540-911D-FFFC0A0EF24A}" type="datetime1">
               <a:rPr lang="en-US" smtClean="0"/>
-              <a:t>2/27/2020</a:t>
+              <a:t>3/1/20</a:t>
             </a:fld>
             <a:endParaRPr lang="en-US" dirty="0"/>
           </a:p>
@@ -2068,7 +2068,7 @@
           <a:p>
             <a:fld id="{69186D26-FA5F-4637-B602-B7C2DC34CFD4}" type="datetime1">
               <a:rPr lang="en-US" smtClean="0"/>
-              <a:t>2/27/2020</a:t>
+              <a:t>3/1/20</a:t>
             </a:fld>
             <a:endParaRPr lang="en-US"/>
           </a:p>
@@ -2505,7 +2505,7 @@
           <a:p>
             <a:fld id="{8A7F15D8-96D1-4781-BC50-CA8A088B2FE4}" type="datetime1">
               <a:rPr lang="en-US" smtClean="0"/>
-              <a:t>2/27/2020</a:t>
+              <a:t>3/1/20</a:t>
             </a:fld>
             <a:endParaRPr lang="en-US"/>
           </a:p>
@@ -2623,7 +2623,7 @@
           <a:p>
             <a:fld id="{F9A96C99-B8F8-4528-BD05-0E16E943DC09}" type="datetime1">
               <a:rPr lang="en-US" smtClean="0"/>
-              <a:t>2/27/2020</a:t>
+              <a:t>3/1/20</a:t>
             </a:fld>
             <a:endParaRPr lang="en-US"/>
           </a:p>
@@ -2718,7 +2718,7 @@
           <a:p>
             <a:fld id="{03636942-C211-4B28-8DBD-C953E00AF71B}" type="datetime1">
               <a:rPr lang="en-US" smtClean="0"/>
-              <a:t>2/27/2020</a:t>
+              <a:t>3/1/20</a:t>
             </a:fld>
             <a:endParaRPr lang="en-US"/>
           </a:p>
@@ -3135,7 +3135,7 @@
           <a:p>
             <a:fld id="{7E8D12A6-918A-48BD-8CB9-CA713993B0EA}" type="datetime1">
               <a:rPr lang="en-US" smtClean="0"/>
-              <a:t>2/27/2020</a:t>
+              <a:t>3/1/20</a:t>
             </a:fld>
             <a:endParaRPr lang="en-US"/>
           </a:p>
@@ -3397,7 +3397,7 @@
             <a:fld id="{E778CE86-875F-4587-BCF6-FA054AFC0D53}" type="datetime1">
               <a:rPr lang="en-US" smtClean="0"/>
               <a:pPr/>
-              <a:t>2/27/2020</a:t>
+              <a:t>3/1/20</a:t>
             </a:fld>
             <a:endParaRPr lang="en-US" dirty="0"/>
           </a:p>
@@ -3913,7 +3913,7 @@
           <a:p>
             <a:fld id="{F6FA2B21-3FCD-4721-B95C-427943F61125}" type="datetime1">
               <a:rPr lang="en-US" smtClean="0"/>
-              <a:t>2/27/2020</a:t>
+              <a:t>3/1/20</a:t>
             </a:fld>
             <a:endParaRPr lang="en-US"/>
           </a:p>
@@ -5993,7 +5993,10 @@
           <a:bodyPr/>
           <a:lstStyle/>
           <a:p>
-            <a:endParaRPr lang="en-US"/>
+            <a:r>
+              <a:rPr lang="en-US" dirty="0"/>
+              <a:t>Possible future additions to code</a:t>
+            </a:r>
           </a:p>
         </p:txBody>
       </p:sp>
@@ -6018,7 +6021,26 @@
           <a:bodyPr/>
           <a:lstStyle/>
           <a:p>
-            <a:endParaRPr lang="en-US"/>
+            <a:r>
+              <a:rPr lang="en-US" dirty="0"/>
+              <a:t>Scheduling spaces and materials</a:t>
+            </a:r>
+          </a:p>
+          <a:p>
+            <a:r>
+              <a:rPr lang="en-US" dirty="0"/>
+              <a:t>Subscriptions so you don’t have to pay each time you walk in</a:t>
+            </a:r>
+          </a:p>
+          <a:p>
+            <a:r>
+              <a:rPr lang="en-US"/>
+              <a:t>View available and </a:t>
+            </a:r>
+            <a:r>
+              <a:rPr lang="en-US" dirty="0"/>
+              <a:t>scheduled spaces and materials, can also be used when restocking</a:t>
+            </a:r>
           </a:p>
         </p:txBody>
       </p:sp>
